--- a/platform/documentation/Platform_Installation_Guide_for_Linux.pptx
+++ b/platform/documentation/Platform_Installation_Guide_for_Linux.pptx
@@ -9631,15 +9631,23 @@
             </a:r>
           </a:p>
           <a:p>
-            <a:r>
-              <a:rPr lang="en-GB" dirty="0"/>
-              <a:t>Obtain platform bootstrap packages</a:t>
-            </a:r>
-          </a:p>
-          <a:p>
             <a:pPr marL="457200" lvl="1" indent="0">
               <a:buNone/>
             </a:pPr>
+            <a:endParaRPr lang="en-GB" dirty="0">
+              <a:latin typeface="Consolas" panose="020B0609020204030204" pitchFamily="49" charset="0"/>
+            </a:endParaRPr>
+          </a:p>
+          <a:p>
+            <a:r>
+              <a:rPr lang="en-GB" dirty="0"/>
+              <a:t>Obtain platform bootstrap packages</a:t>
+            </a:r>
+          </a:p>
+          <a:p>
+            <a:pPr marL="457200" lvl="1" indent="0">
+              <a:buNone/>
+            </a:pPr>
             <a:r>
               <a:rPr lang="en-GB" dirty="0">
                 <a:latin typeface="Consolas" panose="020B0609020204030204" pitchFamily="49" charset="0"/>
@@ -9663,18 +9671,6 @@
                 <a:latin typeface="Consolas" panose="020B0609020204030204" pitchFamily="49" charset="0"/>
               </a:rPr>
               <a:t>package</a:t>
-            </a:r>
-            <a:r>
-              <a:rPr lang="es-ES" dirty="0">
-                <a:latin typeface="Consolas" panose="020B0609020204030204" pitchFamily="49" charset="0"/>
-              </a:rPr>
-              <a:t> -</a:t>
-            </a:r>
-            <a:r>
-              <a:rPr lang="es-ES" dirty="0" err="1">
-                <a:latin typeface="Consolas" panose="020B0609020204030204" pitchFamily="49" charset="0"/>
-              </a:rPr>
-              <a:t>DskipTests</a:t>
             </a:r>
             <a:endParaRPr lang="es-ES" dirty="0">
               <a:latin typeface="Consolas" panose="020B0609020204030204" pitchFamily="49" charset="0"/>

--- a/platform/documentation/Platform_Installation_Guide_for_Linux.pptx
+++ b/platform/documentation/Platform_Installation_Guide_for_Linux.pptx
@@ -7055,15 +7055,6 @@
           <a:p>
             <a:r>
               <a:rPr lang="en-GB" dirty="0"/>
-              <a:t>You should have the following screen.</a:t>
-            </a:r>
-          </a:p>
-          <a:p>
-            <a:endParaRPr lang="en-GB" dirty="0"/>
-          </a:p>
-          <a:p>
-            <a:r>
-              <a:rPr lang="en-GB" dirty="0"/>
               <a:t>You have IDE Eclipse environment install and ready to use with a workspace (</a:t>
             </a:r>
             <a:r>
@@ -7089,7 +7080,7 @@
           <a:p>
             <a:r>
               <a:rPr lang="en-GB" dirty="0"/>
-              <a:t>You have platform install and running (the logs are in </a:t>
+              <a:t>You have the platform install and running (the logs are in </a:t>
             </a:r>
             <a:r>
               <a:rPr lang="de-DE" dirty="0"/>
@@ -7107,6 +7098,24 @@
               <a:rPr lang="en-GB" dirty="0"/>
               <a:t>)</a:t>
             </a:r>
+          </a:p>
+          <a:p>
+            <a:endParaRPr lang="en-GB" dirty="0"/>
+          </a:p>
+          <a:p>
+            <a:r>
+              <a:rPr lang="en-GB" dirty="0"/>
+              <a:t>You should have the following screen.</a:t>
+            </a:r>
+          </a:p>
+          <a:p>
+            <a:endParaRPr lang="en-GB" dirty="0"/>
+          </a:p>
+          <a:p>
+            <a:pPr marL="0" indent="0">
+              <a:buNone/>
+            </a:pPr>
+            <a:endParaRPr lang="en-GB" dirty="0"/>
           </a:p>
         </p:txBody>
       </p:sp>
@@ -11115,7 +11124,7 @@
 </file>
 
 <file path=ppt/slides/slide3.xml><?xml version="1.0" encoding="utf-8"?>
-<p:sld xmlns:a="http://schemas.openxmlformats.org/drawingml/2006/main" xmlns:r="http://schemas.openxmlformats.org/officeDocument/2006/relationships" xmlns:p="http://schemas.openxmlformats.org/presentationml/2006/main">
+<p:sld xmlns:a="http://schemas.openxmlformats.org/drawingml/2006/main" xmlns:r="http://schemas.openxmlformats.org/officeDocument/2006/relationships" xmlns:p="http://schemas.openxmlformats.org/presentationml/2006/main" show="0">
   <p:cSld>
     <p:spTree>
       <p:nvGrpSpPr>
@@ -12733,7 +12742,23 @@
             </a:r>
             <a:r>
               <a:rPr lang="en-GB" dirty="0"/>
-              <a:t>he PC you installed the platform on) to the PC/device that should be added to the platform</a:t>
+              <a:t>he PC you installed the platform on) to the </a:t>
+            </a:r>
+            <a:r>
+              <a:rPr lang="en-DE" dirty="0"/>
+              <a:t>PC</a:t>
+            </a:r>
+            <a:r>
+              <a:rPr lang="de-DE" dirty="0"/>
+              <a:t>/</a:t>
+            </a:r>
+            <a:r>
+              <a:rPr lang="en-DE" dirty="0"/>
+              <a:t>Device </a:t>
+            </a:r>
+            <a:r>
+              <a:rPr lang="en-GB" dirty="0"/>
+              <a:t>that should be added to the platform</a:t>
             </a:r>
             <a:r>
               <a:rPr lang="en-DE" dirty="0"/>
@@ -13253,7 +13278,43 @@
           <a:p>
             <a:r>
               <a:rPr lang="en-GB" dirty="0"/>
-              <a:t>To join the device as resources in the platform run the following scripts, each one in separate terminal </a:t>
+              <a:t>To add the new </a:t>
+            </a:r>
+            <a:r>
+              <a:rPr lang="en-DE" dirty="0"/>
+              <a:t>PC</a:t>
+            </a:r>
+            <a:r>
+              <a:rPr lang="de-DE" dirty="0"/>
+              <a:t>/</a:t>
+            </a:r>
+            <a:r>
+              <a:rPr lang="en-DE" dirty="0"/>
+              <a:t>Device </a:t>
+            </a:r>
+            <a:r>
+              <a:rPr lang="en-GB" dirty="0"/>
+              <a:t>as resource in the platform run the following scripts on the new </a:t>
+            </a:r>
+            <a:r>
+              <a:rPr lang="en-DE" dirty="0"/>
+              <a:t>PC</a:t>
+            </a:r>
+            <a:r>
+              <a:rPr lang="de-DE" dirty="0"/>
+              <a:t>/</a:t>
+            </a:r>
+            <a:r>
+              <a:rPr lang="en-DE" dirty="0"/>
+              <a:t>Device</a:t>
+            </a:r>
+            <a:r>
+              <a:rPr lang="de-DE" dirty="0"/>
+              <a:t>,</a:t>
+            </a:r>
+            <a:r>
+              <a:rPr lang="en-GB" dirty="0"/>
+              <a:t> each one in separate terminal </a:t>
             </a:r>
           </a:p>
           <a:p>
@@ -13342,7 +13403,7 @@
             </a:r>
             <a:r>
               <a:rPr lang="en-DE" dirty="0"/>
-              <a:t>device should be listed as a platform resource</a:t>
+              <a:t>Device should be listed as a platform resource</a:t>
             </a:r>
             <a:r>
               <a:rPr lang="de-DE" dirty="0"/>
